--- a/Documentation/presentation.pptx
+++ b/Documentation/presentation.pptx
@@ -6,9 +6,10 @@
   </p:sldMasterIdLst>
   <p:sldIdLst>
     <p:sldId id="256" r:id="rId2"/>
-    <p:sldId id="257" r:id="rId3"/>
-    <p:sldId id="258" r:id="rId4"/>
-    <p:sldId id="259" r:id="rId5"/>
+    <p:sldId id="260" r:id="rId3"/>
+    <p:sldId id="257" r:id="rId4"/>
+    <p:sldId id="258" r:id="rId5"/>
+    <p:sldId id="259" r:id="rId6"/>
   </p:sldIdLst>
   <p:sldSz cx="12192000" cy="6858000"/>
   <p:notesSz cx="6858000" cy="9144000"/>
@@ -107,6 +108,11 @@
       </a:defRPr>
     </a:lvl9pPr>
   </p:defaultTextStyle>
+  <p:extLst>
+    <p:ext uri="{EFAFB233-063F-42B5-8137-9DF3F51BA10A}">
+      <p15:sldGuideLst xmlns:p15="http://schemas.microsoft.com/office/powerpoint/2012/main"/>
+    </p:ext>
+  </p:extLst>
 </p:presentation>
 </file>
 
@@ -257,7 +263,7 @@
           <a:p>
             <a:fld id="{EF2837D0-5D97-4A0B-A582-6EF5FA3AD34B}" type="datetimeFigureOut">
               <a:rPr lang="de-DE" smtClean="0"/>
-              <a:t>24.10.2018</a:t>
+              <a:t>25.10.2018</a:t>
             </a:fld>
             <a:endParaRPr lang="de-DE"/>
           </a:p>
@@ -455,7 +461,7 @@
           <a:p>
             <a:fld id="{EF2837D0-5D97-4A0B-A582-6EF5FA3AD34B}" type="datetimeFigureOut">
               <a:rPr lang="de-DE" smtClean="0"/>
-              <a:t>24.10.2018</a:t>
+              <a:t>25.10.2018</a:t>
             </a:fld>
             <a:endParaRPr lang="de-DE"/>
           </a:p>
@@ -663,7 +669,7 @@
           <a:p>
             <a:fld id="{EF2837D0-5D97-4A0B-A582-6EF5FA3AD34B}" type="datetimeFigureOut">
               <a:rPr lang="de-DE" smtClean="0"/>
-              <a:t>24.10.2018</a:t>
+              <a:t>25.10.2018</a:t>
             </a:fld>
             <a:endParaRPr lang="de-DE"/>
           </a:p>
@@ -861,7 +867,7 @@
           <a:p>
             <a:fld id="{EF2837D0-5D97-4A0B-A582-6EF5FA3AD34B}" type="datetimeFigureOut">
               <a:rPr lang="de-DE" smtClean="0"/>
-              <a:t>24.10.2018</a:t>
+              <a:t>25.10.2018</a:t>
             </a:fld>
             <a:endParaRPr lang="de-DE"/>
           </a:p>
@@ -1136,7 +1142,7 @@
           <a:p>
             <a:fld id="{EF2837D0-5D97-4A0B-A582-6EF5FA3AD34B}" type="datetimeFigureOut">
               <a:rPr lang="de-DE" smtClean="0"/>
-              <a:t>24.10.2018</a:t>
+              <a:t>25.10.2018</a:t>
             </a:fld>
             <a:endParaRPr lang="de-DE"/>
           </a:p>
@@ -1401,7 +1407,7 @@
           <a:p>
             <a:fld id="{EF2837D0-5D97-4A0B-A582-6EF5FA3AD34B}" type="datetimeFigureOut">
               <a:rPr lang="de-DE" smtClean="0"/>
-              <a:t>24.10.2018</a:t>
+              <a:t>25.10.2018</a:t>
             </a:fld>
             <a:endParaRPr lang="de-DE"/>
           </a:p>
@@ -1813,7 +1819,7 @@
           <a:p>
             <a:fld id="{EF2837D0-5D97-4A0B-A582-6EF5FA3AD34B}" type="datetimeFigureOut">
               <a:rPr lang="de-DE" smtClean="0"/>
-              <a:t>24.10.2018</a:t>
+              <a:t>25.10.2018</a:t>
             </a:fld>
             <a:endParaRPr lang="de-DE"/>
           </a:p>
@@ -1954,7 +1960,7 @@
           <a:p>
             <a:fld id="{EF2837D0-5D97-4A0B-A582-6EF5FA3AD34B}" type="datetimeFigureOut">
               <a:rPr lang="de-DE" smtClean="0"/>
-              <a:t>24.10.2018</a:t>
+              <a:t>25.10.2018</a:t>
             </a:fld>
             <a:endParaRPr lang="de-DE"/>
           </a:p>
@@ -2067,7 +2073,7 @@
           <a:p>
             <a:fld id="{EF2837D0-5D97-4A0B-A582-6EF5FA3AD34B}" type="datetimeFigureOut">
               <a:rPr lang="de-DE" smtClean="0"/>
-              <a:t>24.10.2018</a:t>
+              <a:t>25.10.2018</a:t>
             </a:fld>
             <a:endParaRPr lang="de-DE"/>
           </a:p>
@@ -2378,7 +2384,7 @@
           <a:p>
             <a:fld id="{EF2837D0-5D97-4A0B-A582-6EF5FA3AD34B}" type="datetimeFigureOut">
               <a:rPr lang="de-DE" smtClean="0"/>
-              <a:t>24.10.2018</a:t>
+              <a:t>25.10.2018</a:t>
             </a:fld>
             <a:endParaRPr lang="de-DE"/>
           </a:p>
@@ -2666,7 +2672,7 @@
           <a:p>
             <a:fld id="{EF2837D0-5D97-4A0B-A582-6EF5FA3AD34B}" type="datetimeFigureOut">
               <a:rPr lang="de-DE" smtClean="0"/>
-              <a:t>24.10.2018</a:t>
+              <a:t>25.10.2018</a:t>
             </a:fld>
             <a:endParaRPr lang="de-DE"/>
           </a:p>
@@ -2907,7 +2913,7 @@
           <a:p>
             <a:fld id="{EF2837D0-5D97-4A0B-A582-6EF5FA3AD34B}" type="datetimeFigureOut">
               <a:rPr lang="de-DE" smtClean="0"/>
-              <a:t>24.10.2018</a:t>
+              <a:t>25.10.2018</a:t>
             </a:fld>
             <a:endParaRPr lang="de-DE"/>
           </a:p>
@@ -3385,7 +3391,9 @@
         </p:nvSpPr>
         <p:spPr/>
         <p:txBody>
-          <a:bodyPr/>
+          <a:bodyPr>
+            <a:normAutofit lnSpcReduction="10000"/>
+          </a:bodyPr>
           <a:lstStyle/>
           <a:p>
             <a:r>
@@ -3398,7 +3406,13 @@
             </a:r>
             <a:r>
               <a:rPr lang="de-DE" dirty="0"/>
-              <a:t>, Joffrey Schneider</a:t>
+              <a:t>-Ionescu</a:t>
+            </a:r>
+          </a:p>
+          <a:p>
+            <a:r>
+              <a:rPr lang="de-DE" dirty="0"/>
+              <a:t>Joffrey Schneider</a:t>
             </a:r>
           </a:p>
           <a:p>
@@ -3447,6 +3461,541 @@
           <p:cNvPr id="2" name="Titel 1">
             <a:extLst>
               <a:ext uri="{FF2B5EF4-FFF2-40B4-BE49-F238E27FC236}">
+                <a16:creationId xmlns:a16="http://schemas.microsoft.com/office/drawing/2014/main" id="{3A3402C6-B631-4B5B-A407-E7BE2F4CC4E4}"/>
+              </a:ext>
+            </a:extLst>
+          </p:cNvPr>
+          <p:cNvSpPr>
+            <a:spLocks noGrp="1"/>
+          </p:cNvSpPr>
+          <p:nvPr>
+            <p:ph type="title"/>
+          </p:nvPr>
+        </p:nvSpPr>
+        <p:spPr/>
+        <p:txBody>
+          <a:bodyPr/>
+          <a:lstStyle/>
+          <a:p>
+            <a:r>
+              <a:rPr lang="de-DE" dirty="0" err="1"/>
+              <a:t>Lesson</a:t>
+            </a:r>
+            <a:r>
+              <a:rPr lang="de-DE" dirty="0"/>
+              <a:t> </a:t>
+            </a:r>
+            <a:r>
+              <a:rPr lang="de-DE" dirty="0" err="1"/>
+              <a:t>learned</a:t>
+            </a:r>
+            <a:endParaRPr lang="de-DE" dirty="0"/>
+          </a:p>
+        </p:txBody>
+      </p:sp>
+      <p:sp>
+        <p:nvSpPr>
+          <p:cNvPr id="3" name="Inhaltsplatzhalter 2">
+            <a:extLst>
+              <a:ext uri="{FF2B5EF4-FFF2-40B4-BE49-F238E27FC236}">
+                <a16:creationId xmlns:a16="http://schemas.microsoft.com/office/drawing/2014/main" id="{79BE1714-7305-46E2-BC9A-708BE6E63774}"/>
+              </a:ext>
+            </a:extLst>
+          </p:cNvPr>
+          <p:cNvSpPr>
+            <a:spLocks noGrp="1"/>
+          </p:cNvSpPr>
+          <p:nvPr>
+            <p:ph idx="1"/>
+          </p:nvPr>
+        </p:nvSpPr>
+        <p:spPr/>
+        <p:txBody>
+          <a:bodyPr>
+            <a:normAutofit fontScale="92500" lnSpcReduction="20000"/>
+          </a:bodyPr>
+          <a:lstStyle/>
+          <a:p>
+            <a:pPr marL="0" indent="0">
+              <a:buNone/>
+            </a:pPr>
+            <a:r>
+              <a:rPr lang="de-DE" dirty="0"/>
+              <a:t>At </a:t>
+            </a:r>
+            <a:r>
+              <a:rPr lang="de-DE" dirty="0" err="1"/>
+              <a:t>first</a:t>
+            </a:r>
+            <a:r>
+              <a:rPr lang="de-DE" dirty="0"/>
+              <a:t>, </a:t>
+            </a:r>
+            <a:r>
+              <a:rPr lang="de-DE" dirty="0" err="1"/>
+              <a:t>it</a:t>
+            </a:r>
+            <a:r>
+              <a:rPr lang="de-DE" dirty="0"/>
+              <a:t> was </a:t>
+            </a:r>
+            <a:r>
+              <a:rPr lang="de-DE" dirty="0" err="1"/>
+              <a:t>difficult</a:t>
+            </a:r>
+            <a:r>
+              <a:rPr lang="de-DE" dirty="0"/>
+              <a:t> </a:t>
+            </a:r>
+            <a:r>
+              <a:rPr lang="de-DE" dirty="0" err="1"/>
+              <a:t>to</a:t>
+            </a:r>
+            <a:r>
+              <a:rPr lang="de-DE" dirty="0"/>
+              <a:t> </a:t>
+            </a:r>
+            <a:r>
+              <a:rPr lang="de-DE" dirty="0" err="1"/>
+              <a:t>understand</a:t>
+            </a:r>
+            <a:r>
+              <a:rPr lang="de-DE" dirty="0"/>
+              <a:t> </a:t>
+            </a:r>
+            <a:r>
+              <a:rPr lang="de-DE" dirty="0" err="1"/>
+              <a:t>how</a:t>
+            </a:r>
+            <a:r>
+              <a:rPr lang="de-DE" dirty="0"/>
+              <a:t> </a:t>
+            </a:r>
+            <a:r>
+              <a:rPr lang="de-DE" dirty="0" err="1"/>
+              <a:t>to</a:t>
+            </a:r>
+            <a:r>
+              <a:rPr lang="de-DE" dirty="0"/>
+              <a:t> </a:t>
+            </a:r>
+            <a:r>
+              <a:rPr lang="de-DE" dirty="0" err="1"/>
+              <a:t>communicate</a:t>
+            </a:r>
+            <a:r>
+              <a:rPr lang="de-DE" dirty="0"/>
+              <a:t> </a:t>
+            </a:r>
+            <a:r>
+              <a:rPr lang="de-DE" dirty="0" err="1"/>
+              <a:t>with</a:t>
+            </a:r>
+            <a:r>
+              <a:rPr lang="de-DE" dirty="0"/>
+              <a:t> </a:t>
+            </a:r>
+            <a:r>
+              <a:rPr lang="de-DE" dirty="0" err="1"/>
+              <a:t>the</a:t>
+            </a:r>
+            <a:r>
+              <a:rPr lang="de-DE" dirty="0"/>
+              <a:t> </a:t>
+            </a:r>
+            <a:r>
+              <a:rPr lang="de-DE" dirty="0" err="1"/>
+              <a:t>server</a:t>
+            </a:r>
+            <a:r>
+              <a:rPr lang="de-DE" dirty="0"/>
+              <a:t> </a:t>
+            </a:r>
+            <a:r>
+              <a:rPr lang="de-DE" dirty="0" err="1"/>
+              <a:t>to</a:t>
+            </a:r>
+            <a:r>
+              <a:rPr lang="de-DE" dirty="0"/>
+              <a:t> </a:t>
+            </a:r>
+            <a:r>
+              <a:rPr lang="de-DE" dirty="0" err="1"/>
+              <a:t>transport</a:t>
+            </a:r>
+            <a:r>
+              <a:rPr lang="de-DE" dirty="0"/>
+              <a:t> and handle </a:t>
+            </a:r>
+            <a:r>
+              <a:rPr lang="de-DE" dirty="0" err="1"/>
+              <a:t>information</a:t>
+            </a:r>
+            <a:r>
+              <a:rPr lang="de-DE" dirty="0"/>
+              <a:t> </a:t>
+            </a:r>
+            <a:r>
+              <a:rPr lang="de-DE" dirty="0" err="1"/>
+              <a:t>correctly</a:t>
+            </a:r>
+            <a:r>
+              <a:rPr lang="de-DE" dirty="0"/>
+              <a:t>.</a:t>
+            </a:r>
+          </a:p>
+          <a:p>
+            <a:pPr marL="0" indent="0">
+              <a:buNone/>
+            </a:pPr>
+            <a:endParaRPr lang="de-DE" dirty="0"/>
+          </a:p>
+          <a:p>
+            <a:pPr marL="0" indent="0">
+              <a:buNone/>
+            </a:pPr>
+            <a:r>
+              <a:rPr lang="de-DE" dirty="0"/>
+              <a:t>A </a:t>
+            </a:r>
+            <a:r>
+              <a:rPr lang="de-DE" dirty="0" err="1"/>
+              <a:t>chat</a:t>
+            </a:r>
+            <a:r>
+              <a:rPr lang="de-DE" dirty="0"/>
+              <a:t> </a:t>
+            </a:r>
+            <a:r>
+              <a:rPr lang="de-DE" dirty="0" err="1"/>
+              <a:t>message</a:t>
+            </a:r>
+            <a:r>
+              <a:rPr lang="de-DE" dirty="0"/>
+              <a:t> in „</a:t>
+            </a:r>
+            <a:r>
+              <a:rPr lang="de-DE" dirty="0" err="1"/>
+              <a:t>Let‘s</a:t>
+            </a:r>
+            <a:r>
+              <a:rPr lang="de-DE" dirty="0"/>
+              <a:t> Chat“ </a:t>
+            </a:r>
+            <a:r>
+              <a:rPr lang="de-DE" dirty="0" err="1"/>
+              <a:t>is</a:t>
+            </a:r>
+            <a:r>
+              <a:rPr lang="de-DE" dirty="0"/>
+              <a:t> </a:t>
+            </a:r>
+            <a:r>
+              <a:rPr lang="de-DE" dirty="0" err="1"/>
+              <a:t>built</a:t>
+            </a:r>
+            <a:r>
+              <a:rPr lang="de-DE" dirty="0"/>
+              <a:t> </a:t>
+            </a:r>
+            <a:r>
+              <a:rPr lang="de-DE" dirty="0" err="1"/>
+              <a:t>by</a:t>
+            </a:r>
+            <a:r>
+              <a:rPr lang="de-DE" dirty="0"/>
+              <a:t> </a:t>
+            </a:r>
+            <a:r>
+              <a:rPr lang="de-DE" dirty="0" err="1"/>
+              <a:t>the</a:t>
+            </a:r>
+            <a:r>
+              <a:rPr lang="de-DE" dirty="0"/>
+              <a:t> </a:t>
+            </a:r>
+            <a:r>
+              <a:rPr lang="de-DE" dirty="0" err="1"/>
+              <a:t>following</a:t>
+            </a:r>
+            <a:r>
+              <a:rPr lang="de-DE" dirty="0"/>
+              <a:t> </a:t>
+            </a:r>
+            <a:r>
+              <a:rPr lang="de-DE" dirty="0" err="1"/>
+              <a:t>object</a:t>
+            </a:r>
+            <a:r>
+              <a:rPr lang="de-DE" dirty="0"/>
+              <a:t> </a:t>
+            </a:r>
+            <a:r>
+              <a:rPr lang="de-DE" dirty="0" err="1"/>
+              <a:t>structure</a:t>
+            </a:r>
+            <a:r>
+              <a:rPr lang="de-DE" dirty="0"/>
+              <a:t>:</a:t>
+            </a:r>
+          </a:p>
+          <a:p>
+            <a:pPr marL="1371600" lvl="3" indent="0">
+              <a:buNone/>
+            </a:pPr>
+            <a:endParaRPr lang="de-DE" dirty="0">
+              <a:latin typeface="Consolas" panose="020B0609020204030204" pitchFamily="49" charset="0"/>
+            </a:endParaRPr>
+          </a:p>
+          <a:p>
+            <a:pPr marL="1371600" lvl="3" indent="0">
+              <a:buNone/>
+            </a:pPr>
+            <a:r>
+              <a:rPr lang="de-DE" dirty="0" err="1">
+                <a:latin typeface="Consolas" panose="020B0609020204030204" pitchFamily="49" charset="0"/>
+              </a:rPr>
+              <a:t>var</a:t>
+            </a:r>
+            <a:r>
+              <a:rPr lang="de-DE" dirty="0">
+                <a:latin typeface="Consolas" panose="020B0609020204030204" pitchFamily="49" charset="0"/>
+              </a:rPr>
+              <a:t> </a:t>
+            </a:r>
+            <a:r>
+              <a:rPr lang="de-DE" dirty="0" err="1">
+                <a:latin typeface="Consolas" panose="020B0609020204030204" pitchFamily="49" charset="0"/>
+              </a:rPr>
+              <a:t>msg</a:t>
+            </a:r>
+            <a:r>
+              <a:rPr lang="de-DE" dirty="0">
+                <a:latin typeface="Consolas" panose="020B0609020204030204" pitchFamily="49" charset="0"/>
+              </a:rPr>
+              <a:t> = {</a:t>
+            </a:r>
+          </a:p>
+          <a:p>
+            <a:pPr marL="1371600" lvl="3" indent="0">
+              <a:buNone/>
+            </a:pPr>
+            <a:r>
+              <a:rPr lang="de-DE" dirty="0">
+                <a:latin typeface="Consolas" panose="020B0609020204030204" pitchFamily="49" charset="0"/>
+              </a:rPr>
+              <a:t>	</a:t>
+            </a:r>
+            <a:r>
+              <a:rPr lang="de-DE" dirty="0" err="1">
+                <a:latin typeface="Consolas" panose="020B0609020204030204" pitchFamily="49" charset="0"/>
+              </a:rPr>
+              <a:t>recipient</a:t>
+            </a:r>
+            <a:r>
+              <a:rPr lang="de-DE" dirty="0">
+                <a:latin typeface="Consolas" panose="020B0609020204030204" pitchFamily="49" charset="0"/>
+              </a:rPr>
+              <a:t>,</a:t>
+            </a:r>
+          </a:p>
+          <a:p>
+            <a:pPr marL="1371600" lvl="3" indent="0">
+              <a:buNone/>
+            </a:pPr>
+            <a:r>
+              <a:rPr lang="de-DE" dirty="0">
+                <a:latin typeface="Consolas" panose="020B0609020204030204" pitchFamily="49" charset="0"/>
+              </a:rPr>
+              <a:t>	</a:t>
+            </a:r>
+            <a:r>
+              <a:rPr lang="de-DE" dirty="0" err="1">
+                <a:latin typeface="Consolas" panose="020B0609020204030204" pitchFamily="49" charset="0"/>
+              </a:rPr>
+              <a:t>sender</a:t>
+            </a:r>
+            <a:r>
+              <a:rPr lang="de-DE" dirty="0">
+                <a:latin typeface="Consolas" panose="020B0609020204030204" pitchFamily="49" charset="0"/>
+              </a:rPr>
+              <a:t>,</a:t>
+            </a:r>
+          </a:p>
+          <a:p>
+            <a:pPr marL="1371600" lvl="3" indent="0">
+              <a:buNone/>
+            </a:pPr>
+            <a:r>
+              <a:rPr lang="de-DE" dirty="0">
+                <a:latin typeface="Consolas" panose="020B0609020204030204" pitchFamily="49" charset="0"/>
+              </a:rPr>
+              <a:t>	time,</a:t>
+            </a:r>
+          </a:p>
+          <a:p>
+            <a:pPr marL="1371600" lvl="3" indent="0">
+              <a:buNone/>
+            </a:pPr>
+            <a:r>
+              <a:rPr lang="de-DE" dirty="0">
+                <a:latin typeface="Consolas" panose="020B0609020204030204" pitchFamily="49" charset="0"/>
+              </a:rPr>
+              <a:t>	</a:t>
+            </a:r>
+            <a:r>
+              <a:rPr lang="de-DE" dirty="0" err="1">
+                <a:latin typeface="Consolas" panose="020B0609020204030204" pitchFamily="49" charset="0"/>
+              </a:rPr>
+              <a:t>text</a:t>
+            </a:r>
+            <a:r>
+              <a:rPr lang="de-DE" dirty="0">
+                <a:latin typeface="Consolas" panose="020B0609020204030204" pitchFamily="49" charset="0"/>
+              </a:rPr>
+              <a:t>,</a:t>
+            </a:r>
+          </a:p>
+          <a:p>
+            <a:pPr marL="1371600" lvl="3" indent="0">
+              <a:buNone/>
+            </a:pPr>
+            <a:r>
+              <a:rPr lang="de-DE" dirty="0">
+                <a:latin typeface="Consolas" panose="020B0609020204030204" pitchFamily="49" charset="0"/>
+              </a:rPr>
+              <a:t>	</a:t>
+            </a:r>
+            <a:r>
+              <a:rPr lang="de-DE" dirty="0" err="1">
+                <a:latin typeface="Consolas" panose="020B0609020204030204" pitchFamily="49" charset="0"/>
+              </a:rPr>
+              <a:t>file</a:t>
+            </a:r>
+            <a:endParaRPr lang="de-DE" dirty="0">
+              <a:latin typeface="Consolas" panose="020B0609020204030204" pitchFamily="49" charset="0"/>
+            </a:endParaRPr>
+          </a:p>
+          <a:p>
+            <a:pPr marL="1371600" lvl="3" indent="0">
+              <a:buNone/>
+            </a:pPr>
+            <a:r>
+              <a:rPr lang="de-DE" dirty="0">
+                <a:latin typeface="Consolas" panose="020B0609020204030204" pitchFamily="49" charset="0"/>
+              </a:rPr>
+              <a:t>};</a:t>
+            </a:r>
+          </a:p>
+          <a:p>
+            <a:pPr marL="0" indent="0">
+              <a:buNone/>
+            </a:pPr>
+            <a:endParaRPr lang="de-DE" dirty="0"/>
+          </a:p>
+          <a:p>
+            <a:pPr marL="0" indent="0">
+              <a:buNone/>
+            </a:pPr>
+            <a:r>
+              <a:rPr lang="de-DE" dirty="0"/>
+              <a:t>So </a:t>
+            </a:r>
+            <a:r>
+              <a:rPr lang="de-DE" dirty="0" err="1"/>
+              <a:t>we</a:t>
+            </a:r>
+            <a:r>
+              <a:rPr lang="de-DE" dirty="0"/>
+              <a:t> </a:t>
+            </a:r>
+            <a:r>
+              <a:rPr lang="de-DE" dirty="0" err="1"/>
+              <a:t>can</a:t>
+            </a:r>
+            <a:r>
+              <a:rPr lang="de-DE" dirty="0"/>
+              <a:t> send </a:t>
+            </a:r>
+            <a:r>
+              <a:rPr lang="de-DE" dirty="0" err="1"/>
+              <a:t>everything</a:t>
+            </a:r>
+            <a:r>
+              <a:rPr lang="de-DE" dirty="0"/>
+              <a:t> at </a:t>
+            </a:r>
+            <a:r>
+              <a:rPr lang="de-DE" dirty="0" err="1"/>
+              <a:t>once</a:t>
+            </a:r>
+            <a:r>
+              <a:rPr lang="de-DE" dirty="0"/>
+              <a:t> </a:t>
+            </a:r>
+            <a:r>
+              <a:rPr lang="de-DE" dirty="0" err="1"/>
+              <a:t>as</a:t>
+            </a:r>
+            <a:r>
+              <a:rPr lang="de-DE" dirty="0"/>
+              <a:t> a </a:t>
+            </a:r>
+            <a:r>
+              <a:rPr lang="de-DE" dirty="0" err="1"/>
+              <a:t>single</a:t>
+            </a:r>
+            <a:r>
+              <a:rPr lang="de-DE" dirty="0"/>
+              <a:t> </a:t>
+            </a:r>
+            <a:r>
+              <a:rPr lang="de-DE" dirty="0" err="1"/>
+              <a:t>object</a:t>
+            </a:r>
+            <a:r>
+              <a:rPr lang="de-DE"/>
+              <a:t>.</a:t>
+            </a:r>
+            <a:endParaRPr lang="de-DE" dirty="0"/>
+          </a:p>
+        </p:txBody>
+      </p:sp>
+    </p:spTree>
+    <p:extLst>
+      <p:ext uri="{BB962C8B-B14F-4D97-AF65-F5344CB8AC3E}">
+        <p14:creationId xmlns:p14="http://schemas.microsoft.com/office/powerpoint/2010/main" val="3301008698"/>
+      </p:ext>
+    </p:extLst>
+  </p:cSld>
+  <p:clrMapOvr>
+    <a:masterClrMapping/>
+  </p:clrMapOvr>
+</p:sld>
+</file>
+
+<file path=ppt/slides/slide3.xml><?xml version="1.0" encoding="utf-8"?>
+<p:sld xmlns:a="http://schemas.openxmlformats.org/drawingml/2006/main" xmlns:r="http://schemas.openxmlformats.org/officeDocument/2006/relationships" xmlns:p="http://schemas.openxmlformats.org/presentationml/2006/main">
+  <p:cSld>
+    <p:spTree>
+      <p:nvGrpSpPr>
+        <p:cNvPr id="1" name=""/>
+        <p:cNvGrpSpPr/>
+        <p:nvPr/>
+      </p:nvGrpSpPr>
+      <p:grpSpPr>
+        <a:xfrm>
+          <a:off x="0" y="0"/>
+          <a:ext cx="0" cy="0"/>
+          <a:chOff x="0" y="0"/>
+          <a:chExt cx="0" cy="0"/>
+        </a:xfrm>
+      </p:grpSpPr>
+      <p:sp>
+        <p:nvSpPr>
+          <p:cNvPr id="2" name="Titel 1">
+            <a:extLst>
+              <a:ext uri="{FF2B5EF4-FFF2-40B4-BE49-F238E27FC236}">
                 <a16:creationId xmlns:a16="http://schemas.microsoft.com/office/drawing/2014/main" id="{BAC98741-E557-4B35-B766-CB478377082B}"/>
               </a:ext>
             </a:extLst>
@@ -3519,7 +4068,7 @@
 </p:sld>
 </file>
 
-<file path=ppt/slides/slide3.xml><?xml version="1.0" encoding="utf-8"?>
+<file path=ppt/slides/slide4.xml><?xml version="1.0" encoding="utf-8"?>
 <p:sld xmlns:a="http://schemas.openxmlformats.org/drawingml/2006/main" xmlns:r="http://schemas.openxmlformats.org/officeDocument/2006/relationships" xmlns:p="http://schemas.openxmlformats.org/presentationml/2006/main">
   <p:cSld>
     <p:spTree>
@@ -3622,7 +4171,7 @@
 </p:sld>
 </file>
 
-<file path=ppt/slides/slide4.xml><?xml version="1.0" encoding="utf-8"?>
+<file path=ppt/slides/slide5.xml><?xml version="1.0" encoding="utf-8"?>
 <p:sld xmlns:a="http://schemas.openxmlformats.org/drawingml/2006/main" xmlns:r="http://schemas.openxmlformats.org/officeDocument/2006/relationships" xmlns:p="http://schemas.openxmlformats.org/presentationml/2006/main">
   <p:cSld>
     <p:spTree>
